--- a/프론트엔드기초(과제)/과제1_프로필페이지/프론트엔드과제1-1.pptx
+++ b/프론트엔드기초(과제)/과제1_프로필페이지/프론트엔드과제1-1.pptx
@@ -303,7 +303,7 @@
           <a:p>
             <a:fld id="{FB30EDBD-1C2D-4C1E-B459-B60219FAB484}" type="datetimeFigureOut">
               <a:rPr lang="ko-KR" altLang="en-US" smtClean="0"/>
-              <a:t>2020-11-09</a:t>
+              <a:t>2021-01-04</a:t>
             </a:fld>
             <a:endParaRPr lang="ko-KR" altLang="en-US"/>
           </a:p>
@@ -466,7 +466,7 @@
           <a:p>
             <a:fld id="{FB30EDBD-1C2D-4C1E-B459-B60219FAB484}" type="datetimeFigureOut">
               <a:rPr lang="ko-KR" altLang="en-US" smtClean="0"/>
-              <a:t>2020-11-09</a:t>
+              <a:t>2021-01-04</a:t>
             </a:fld>
             <a:endParaRPr lang="ko-KR" altLang="en-US"/>
           </a:p>
@@ -639,7 +639,7 @@
           <a:p>
             <a:fld id="{FB30EDBD-1C2D-4C1E-B459-B60219FAB484}" type="datetimeFigureOut">
               <a:rPr lang="ko-KR" altLang="en-US" smtClean="0"/>
-              <a:t>2020-11-09</a:t>
+              <a:t>2021-01-04</a:t>
             </a:fld>
             <a:endParaRPr lang="ko-KR" altLang="en-US"/>
           </a:p>
@@ -802,7 +802,7 @@
           <a:p>
             <a:fld id="{FB30EDBD-1C2D-4C1E-B459-B60219FAB484}" type="datetimeFigureOut">
               <a:rPr lang="ko-KR" altLang="en-US" smtClean="0"/>
-              <a:t>2020-11-09</a:t>
+              <a:t>2021-01-04</a:t>
             </a:fld>
             <a:endParaRPr lang="ko-KR" altLang="en-US"/>
           </a:p>
@@ -1042,7 +1042,7 @@
           <a:p>
             <a:fld id="{FB30EDBD-1C2D-4C1E-B459-B60219FAB484}" type="datetimeFigureOut">
               <a:rPr lang="ko-KR" altLang="en-US" smtClean="0"/>
-              <a:t>2020-11-09</a:t>
+              <a:t>2021-01-04</a:t>
             </a:fld>
             <a:endParaRPr lang="ko-KR" altLang="en-US"/>
           </a:p>
@@ -1322,7 +1322,7 @@
           <a:p>
             <a:fld id="{FB30EDBD-1C2D-4C1E-B459-B60219FAB484}" type="datetimeFigureOut">
               <a:rPr lang="ko-KR" altLang="en-US" smtClean="0"/>
-              <a:t>2020-11-09</a:t>
+              <a:t>2021-01-04</a:t>
             </a:fld>
             <a:endParaRPr lang="ko-KR" altLang="en-US"/>
           </a:p>
@@ -1736,7 +1736,7 @@
           <a:p>
             <a:fld id="{FB30EDBD-1C2D-4C1E-B459-B60219FAB484}" type="datetimeFigureOut">
               <a:rPr lang="ko-KR" altLang="en-US" smtClean="0"/>
-              <a:t>2020-11-09</a:t>
+              <a:t>2021-01-04</a:t>
             </a:fld>
             <a:endParaRPr lang="ko-KR" altLang="en-US"/>
           </a:p>
@@ -1848,7 +1848,7 @@
           <a:p>
             <a:fld id="{FB30EDBD-1C2D-4C1E-B459-B60219FAB484}" type="datetimeFigureOut">
               <a:rPr lang="ko-KR" altLang="en-US" smtClean="0"/>
-              <a:t>2020-11-09</a:t>
+              <a:t>2021-01-04</a:t>
             </a:fld>
             <a:endParaRPr lang="ko-KR" altLang="en-US"/>
           </a:p>
@@ -1938,7 +1938,7 @@
           <a:p>
             <a:fld id="{FB30EDBD-1C2D-4C1E-B459-B60219FAB484}" type="datetimeFigureOut">
               <a:rPr lang="ko-KR" altLang="en-US" smtClean="0"/>
-              <a:t>2020-11-09</a:t>
+              <a:t>2021-01-04</a:t>
             </a:fld>
             <a:endParaRPr lang="ko-KR" altLang="en-US"/>
           </a:p>
@@ -2208,7 +2208,7 @@
           <a:p>
             <a:fld id="{FB30EDBD-1C2D-4C1E-B459-B60219FAB484}" type="datetimeFigureOut">
               <a:rPr lang="ko-KR" altLang="en-US" smtClean="0"/>
-              <a:t>2020-11-09</a:t>
+              <a:t>2021-01-04</a:t>
             </a:fld>
             <a:endParaRPr lang="ko-KR" altLang="en-US"/>
           </a:p>
@@ -2455,7 +2455,7 @@
           <a:p>
             <a:fld id="{FB30EDBD-1C2D-4C1E-B459-B60219FAB484}" type="datetimeFigureOut">
               <a:rPr lang="ko-KR" altLang="en-US" smtClean="0"/>
-              <a:t>2020-11-09</a:t>
+              <a:t>2021-01-04</a:t>
             </a:fld>
             <a:endParaRPr lang="ko-KR" altLang="en-US"/>
           </a:p>
@@ -2661,7 +2661,7 @@
           <a:p>
             <a:fld id="{FB30EDBD-1C2D-4C1E-B459-B60219FAB484}" type="datetimeFigureOut">
               <a:rPr lang="ko-KR" altLang="en-US" smtClean="0"/>
-              <a:t>2020-11-09</a:t>
+              <a:t>2021-01-04</a:t>
             </a:fld>
             <a:endParaRPr lang="ko-KR" altLang="en-US"/>
           </a:p>
@@ -3309,67 +3309,7 @@
                 <a:latin typeface="나눔고딕" panose="020D0604000000000000" pitchFamily="50" charset="-127"/>
                 <a:ea typeface="나눔고딕" panose="020D0604000000000000" pitchFamily="50" charset="-127"/>
               </a:rPr>
-              <a:t>   (strong </a:t>
-            </a:r>
-            <a:r>
-              <a:rPr lang="ko-KR" altLang="en-US" sz="2400" dirty="0">
-                <a:solidFill>
-                  <a:schemeClr val="bg1">
-                    <a:lumMod val="75000"/>
-                  </a:schemeClr>
-                </a:solidFill>
-                <a:latin typeface="나눔고딕" panose="020D0604000000000000" pitchFamily="50" charset="-127"/>
-                <a:ea typeface="나눔고딕" panose="020D0604000000000000" pitchFamily="50" charset="-127"/>
-              </a:rPr>
-              <a:t>태그와 </a:t>
-            </a:r>
-            <a:r>
-              <a:rPr lang="en-US" altLang="ko-KR" sz="2400" dirty="0" err="1">
-                <a:solidFill>
-                  <a:schemeClr val="bg1">
-                    <a:lumMod val="75000"/>
-                  </a:schemeClr>
-                </a:solidFill>
-                <a:latin typeface="나눔고딕" panose="020D0604000000000000" pitchFamily="50" charset="-127"/>
-                <a:ea typeface="나눔고딕" panose="020D0604000000000000" pitchFamily="50" charset="-127"/>
-              </a:rPr>
-              <a:t>em</a:t>
-            </a:r>
-            <a:r>
-              <a:rPr lang="en-US" altLang="ko-KR" sz="2400" dirty="0">
-                <a:solidFill>
-                  <a:schemeClr val="bg1">
-                    <a:lumMod val="75000"/>
-                  </a:schemeClr>
-                </a:solidFill>
-                <a:latin typeface="나눔고딕" panose="020D0604000000000000" pitchFamily="50" charset="-127"/>
-                <a:ea typeface="나눔고딕" panose="020D0604000000000000" pitchFamily="50" charset="-127"/>
-              </a:rPr>
-              <a:t> </a:t>
-            </a:r>
-            <a:r>
-              <a:rPr lang="ko-KR" altLang="en-US" sz="2400" dirty="0">
-                <a:solidFill>
-                  <a:schemeClr val="bg1">
-                    <a:lumMod val="75000"/>
-                  </a:schemeClr>
-                </a:solidFill>
-                <a:latin typeface="나눔고딕" panose="020D0604000000000000" pitchFamily="50" charset="-127"/>
-                <a:ea typeface="나눔고딕" panose="020D0604000000000000" pitchFamily="50" charset="-127"/>
-              </a:rPr>
-              <a:t>태그 하나씩 포함시켜주세요</a:t>
-            </a:r>
-            <a:r>
-              <a:rPr lang="en-US" altLang="ko-KR" sz="2400" dirty="0">
-                <a:solidFill>
-                  <a:schemeClr val="bg1">
-                    <a:lumMod val="75000"/>
-                  </a:schemeClr>
-                </a:solidFill>
-                <a:latin typeface="나눔고딕" panose="020D0604000000000000" pitchFamily="50" charset="-127"/>
-                <a:ea typeface="나눔고딕" panose="020D0604000000000000" pitchFamily="50" charset="-127"/>
-              </a:rPr>
-              <a:t>. </a:t>
+              <a:t>   (</a:t>
             </a:r>
             <a:r>
               <a:rPr lang="en-US" altLang="ko-KR" sz="2400" dirty="0" err="1">

--- a/프론트엔드기초(과제)/과제1_프로필페이지/프론트엔드과제1-1.pptx
+++ b/프론트엔드기초(과제)/과제1_프로필페이지/프론트엔드과제1-1.pptx
@@ -303,7 +303,7 @@
           <a:p>
             <a:fld id="{FB30EDBD-1C2D-4C1E-B459-B60219FAB484}" type="datetimeFigureOut">
               <a:rPr lang="ko-KR" altLang="en-US" smtClean="0"/>
-              <a:t>2021-01-04</a:t>
+              <a:t>2021-10-08</a:t>
             </a:fld>
             <a:endParaRPr lang="ko-KR" altLang="en-US"/>
           </a:p>
@@ -466,7 +466,7 @@
           <a:p>
             <a:fld id="{FB30EDBD-1C2D-4C1E-B459-B60219FAB484}" type="datetimeFigureOut">
               <a:rPr lang="ko-KR" altLang="en-US" smtClean="0"/>
-              <a:t>2021-01-04</a:t>
+              <a:t>2021-10-08</a:t>
             </a:fld>
             <a:endParaRPr lang="ko-KR" altLang="en-US"/>
           </a:p>
@@ -639,7 +639,7 @@
           <a:p>
             <a:fld id="{FB30EDBD-1C2D-4C1E-B459-B60219FAB484}" type="datetimeFigureOut">
               <a:rPr lang="ko-KR" altLang="en-US" smtClean="0"/>
-              <a:t>2021-01-04</a:t>
+              <a:t>2021-10-08</a:t>
             </a:fld>
             <a:endParaRPr lang="ko-KR" altLang="en-US"/>
           </a:p>
@@ -802,7 +802,7 @@
           <a:p>
             <a:fld id="{FB30EDBD-1C2D-4C1E-B459-B60219FAB484}" type="datetimeFigureOut">
               <a:rPr lang="ko-KR" altLang="en-US" smtClean="0"/>
-              <a:t>2021-01-04</a:t>
+              <a:t>2021-10-08</a:t>
             </a:fld>
             <a:endParaRPr lang="ko-KR" altLang="en-US"/>
           </a:p>
@@ -1042,7 +1042,7 @@
           <a:p>
             <a:fld id="{FB30EDBD-1C2D-4C1E-B459-B60219FAB484}" type="datetimeFigureOut">
               <a:rPr lang="ko-KR" altLang="en-US" smtClean="0"/>
-              <a:t>2021-01-04</a:t>
+              <a:t>2021-10-08</a:t>
             </a:fld>
             <a:endParaRPr lang="ko-KR" altLang="en-US"/>
           </a:p>
@@ -1322,7 +1322,7 @@
           <a:p>
             <a:fld id="{FB30EDBD-1C2D-4C1E-B459-B60219FAB484}" type="datetimeFigureOut">
               <a:rPr lang="ko-KR" altLang="en-US" smtClean="0"/>
-              <a:t>2021-01-04</a:t>
+              <a:t>2021-10-08</a:t>
             </a:fld>
             <a:endParaRPr lang="ko-KR" altLang="en-US"/>
           </a:p>
@@ -1736,7 +1736,7 @@
           <a:p>
             <a:fld id="{FB30EDBD-1C2D-4C1E-B459-B60219FAB484}" type="datetimeFigureOut">
               <a:rPr lang="ko-KR" altLang="en-US" smtClean="0"/>
-              <a:t>2021-01-04</a:t>
+              <a:t>2021-10-08</a:t>
             </a:fld>
             <a:endParaRPr lang="ko-KR" altLang="en-US"/>
           </a:p>
@@ -1848,7 +1848,7 @@
           <a:p>
             <a:fld id="{FB30EDBD-1C2D-4C1E-B459-B60219FAB484}" type="datetimeFigureOut">
               <a:rPr lang="ko-KR" altLang="en-US" smtClean="0"/>
-              <a:t>2021-01-04</a:t>
+              <a:t>2021-10-08</a:t>
             </a:fld>
             <a:endParaRPr lang="ko-KR" altLang="en-US"/>
           </a:p>
@@ -1938,7 +1938,7 @@
           <a:p>
             <a:fld id="{FB30EDBD-1C2D-4C1E-B459-B60219FAB484}" type="datetimeFigureOut">
               <a:rPr lang="ko-KR" altLang="en-US" smtClean="0"/>
-              <a:t>2021-01-04</a:t>
+              <a:t>2021-10-08</a:t>
             </a:fld>
             <a:endParaRPr lang="ko-KR" altLang="en-US"/>
           </a:p>
@@ -2208,7 +2208,7 @@
           <a:p>
             <a:fld id="{FB30EDBD-1C2D-4C1E-B459-B60219FAB484}" type="datetimeFigureOut">
               <a:rPr lang="ko-KR" altLang="en-US" smtClean="0"/>
-              <a:t>2021-01-04</a:t>
+              <a:t>2021-10-08</a:t>
             </a:fld>
             <a:endParaRPr lang="ko-KR" altLang="en-US"/>
           </a:p>
@@ -2455,7 +2455,7 @@
           <a:p>
             <a:fld id="{FB30EDBD-1C2D-4C1E-B459-B60219FAB484}" type="datetimeFigureOut">
               <a:rPr lang="ko-KR" altLang="en-US" smtClean="0"/>
-              <a:t>2021-01-04</a:t>
+              <a:t>2021-10-08</a:t>
             </a:fld>
             <a:endParaRPr lang="ko-KR" altLang="en-US"/>
           </a:p>
@@ -2661,7 +2661,7 @@
           <a:p>
             <a:fld id="{FB30EDBD-1C2D-4C1E-B459-B60219FAB484}" type="datetimeFigureOut">
               <a:rPr lang="ko-KR" altLang="en-US" smtClean="0"/>
-              <a:t>2021-01-04</a:t>
+              <a:t>2021-10-08</a:t>
             </a:fld>
             <a:endParaRPr lang="ko-KR" altLang="en-US"/>
           </a:p>
